--- a/paper/Rits_Format_PowerPoint.pptx
+++ b/paper/Rits_Format_PowerPoint.pptx
@@ -197,7 +197,7 @@
           <a:p>
             <a:fld id="{D8422EA4-67AE-4623-8DD6-326650601D3C}" type="datetimeFigureOut">
               <a:rPr kumimoji="1" lang="ja-JP" altLang="en-US" smtClean="0"/>
-              <a:t>2019/12/19</a:t>
+              <a:t>2020/8/12</a:t>
             </a:fld>
             <a:endParaRPr kumimoji="1" lang="ja-JP" altLang="en-US"/>
           </a:p>
@@ -794,7 +794,7 @@
           <a:p>
             <a:fld id="{28B1BEA1-2738-4C19-B133-02ABBF3E6E0C}" type="datetime1">
               <a:rPr kumimoji="1" lang="ja-JP" altLang="en-US" smtClean="0"/>
-              <a:t>2019/12/19</a:t>
+              <a:t>2020/8/12</a:t>
             </a:fld>
             <a:endParaRPr kumimoji="1" lang="ja-JP" altLang="en-US"/>
           </a:p>
@@ -861,7 +861,7 @@
           <a:lstStyle/>
           <a:p>
             <a:pPr algn="ctr"/>
-            <a:endParaRPr kumimoji="1" lang="ja-JP" altLang="en-US"/>
+            <a:endParaRPr kumimoji="1" lang="ja-JP" altLang="en-US" dirty="0"/>
           </a:p>
         </p:txBody>
       </p:sp>
@@ -877,8 +877,8 @@
         </p:nvSpPr>
         <p:spPr>
           <a:xfrm>
-            <a:off x="9448800" y="6492875"/>
-            <a:ext cx="2743200" cy="365125"/>
+            <a:off x="11052000" y="6405411"/>
+            <a:ext cx="930088" cy="452589"/>
           </a:xfrm>
         </p:spPr>
         <p:txBody>
@@ -889,7 +889,7 @@
               <a:rPr kumimoji="1" lang="ja-JP" altLang="en-US" smtClean="0"/>
               <a:t>‹#›</a:t>
             </a:fld>
-            <a:endParaRPr kumimoji="1" lang="ja-JP" altLang="en-US"/>
+            <a:endParaRPr kumimoji="1" lang="ja-JP" altLang="en-US" dirty="0"/>
           </a:p>
         </p:txBody>
       </p:sp>
@@ -1138,7 +1138,7 @@
           <a:p>
             <a:fld id="{321A0775-4641-4FD1-8F30-8577C8E45459}" type="datetime1">
               <a:rPr kumimoji="1" lang="ja-JP" altLang="en-US" smtClean="0"/>
-              <a:t>2019/12/19</a:t>
+              <a:t>2020/8/12</a:t>
             </a:fld>
             <a:endParaRPr kumimoji="1" lang="ja-JP" altLang="en-US"/>
           </a:p>
@@ -1348,7 +1348,7 @@
           <a:p>
             <a:fld id="{1A958096-B04A-44A1-BF3F-4EF7C63AEE7F}" type="datetime1">
               <a:rPr kumimoji="1" lang="ja-JP" altLang="en-US" smtClean="0"/>
-              <a:t>2019/12/19</a:t>
+              <a:t>2020/8/12</a:t>
             </a:fld>
             <a:endParaRPr kumimoji="1" lang="ja-JP" altLang="en-US"/>
           </a:p>
@@ -1548,7 +1548,7 @@
           <a:p>
             <a:fld id="{7E4BC299-9A2B-46B3-A868-72E6088D753F}" type="datetime1">
               <a:rPr kumimoji="1" lang="ja-JP" altLang="en-US" smtClean="0"/>
-              <a:t>2019/12/19</a:t>
+              <a:t>2020/8/12</a:t>
             </a:fld>
             <a:endParaRPr kumimoji="1" lang="ja-JP" altLang="en-US"/>
           </a:p>
@@ -1615,7 +1615,7 @@
           <a:lstStyle/>
           <a:p>
             <a:pPr algn="ctr"/>
-            <a:endParaRPr kumimoji="1" lang="ja-JP" altLang="en-US"/>
+            <a:endParaRPr kumimoji="1" lang="ja-JP" altLang="en-US" dirty="0"/>
           </a:p>
         </p:txBody>
       </p:sp>
@@ -1631,8 +1631,8 @@
         </p:nvSpPr>
         <p:spPr>
           <a:xfrm>
-            <a:off x="11353800" y="6405410"/>
-            <a:ext cx="838200" cy="452589"/>
+            <a:off x="11052000" y="6405410"/>
+            <a:ext cx="930088" cy="452589"/>
           </a:xfrm>
         </p:spPr>
         <p:txBody>
@@ -1946,7 +1946,7 @@
           <a:p>
             <a:fld id="{5730D93F-C6A8-45DB-973B-2E9B74BB5747}" type="datetime1">
               <a:rPr kumimoji="1" lang="ja-JP" altLang="en-US" smtClean="0"/>
-              <a:t>2019/12/19</a:t>
+              <a:t>2020/8/12</a:t>
             </a:fld>
             <a:endParaRPr kumimoji="1" lang="ja-JP" altLang="en-US"/>
           </a:p>
@@ -2239,7 +2239,7 @@
           <a:p>
             <a:fld id="{8C8FBA03-08C5-445A-9675-5DD0E048D580}" type="datetime1">
               <a:rPr kumimoji="1" lang="ja-JP" altLang="en-US" smtClean="0"/>
-              <a:t>2019/12/19</a:t>
+              <a:t>2020/8/12</a:t>
             </a:fld>
             <a:endParaRPr kumimoji="1" lang="ja-JP" altLang="en-US"/>
           </a:p>
@@ -2667,7 +2667,7 @@
           <a:p>
             <a:fld id="{F22B3BE6-F63B-45DF-9657-6FEF2EDB1F30}" type="datetime1">
               <a:rPr kumimoji="1" lang="ja-JP" altLang="en-US" smtClean="0"/>
-              <a:t>2019/12/19</a:t>
+              <a:t>2020/8/12</a:t>
             </a:fld>
             <a:endParaRPr kumimoji="1" lang="ja-JP" altLang="en-US"/>
           </a:p>
@@ -2784,7 +2784,7 @@
           <a:p>
             <a:fld id="{C1D6E599-F080-45CC-8481-C833508C9D12}" type="datetime1">
               <a:rPr kumimoji="1" lang="ja-JP" altLang="en-US" smtClean="0"/>
-              <a:t>2019/12/19</a:t>
+              <a:t>2020/8/12</a:t>
             </a:fld>
             <a:endParaRPr kumimoji="1" lang="ja-JP" altLang="en-US"/>
           </a:p>
@@ -2879,7 +2879,7 @@
           <a:p>
             <a:fld id="{7D9B8A7E-64BC-4577-982E-7EC7218FD10F}" type="datetime1">
               <a:rPr kumimoji="1" lang="ja-JP" altLang="en-US" smtClean="0"/>
-              <a:t>2019/12/19</a:t>
+              <a:t>2020/8/12</a:t>
             </a:fld>
             <a:endParaRPr kumimoji="1" lang="ja-JP" altLang="en-US"/>
           </a:p>
@@ -3186,7 +3186,7 @@
           <a:p>
             <a:fld id="{8373066C-4ED1-4359-AD45-A7DE722C8BF8}" type="datetime1">
               <a:rPr kumimoji="1" lang="ja-JP" altLang="en-US" smtClean="0"/>
-              <a:t>2019/12/19</a:t>
+              <a:t>2020/8/12</a:t>
             </a:fld>
             <a:endParaRPr kumimoji="1" lang="ja-JP" altLang="en-US"/>
           </a:p>
@@ -3438,7 +3438,7 @@
           <a:p>
             <a:fld id="{BC0FD902-686B-4A0D-9EB1-37C4F06B03EF}" type="datetime1">
               <a:rPr kumimoji="1" lang="ja-JP" altLang="en-US" smtClean="0"/>
-              <a:t>2019/12/19</a:t>
+              <a:t>2020/8/12</a:t>
             </a:fld>
             <a:endParaRPr kumimoji="1" lang="ja-JP" altLang="en-US"/>
           </a:p>
@@ -3681,7 +3681,7 @@
           <a:p>
             <a:fld id="{E90FD2C9-6400-40CA-9626-E4ED2CBDBD1C}" type="datetime1">
               <a:rPr kumimoji="1" lang="ja-JP" altLang="en-US" smtClean="0"/>
-              <a:t>2019/12/19</a:t>
+              <a:t>2020/8/12</a:t>
             </a:fld>
             <a:endParaRPr kumimoji="1" lang="ja-JP" altLang="en-US"/>
           </a:p>

--- a/paper/Rits_Format_PowerPoint.pptx
+++ b/paper/Rits_Format_PowerPoint.pptx
@@ -8,7 +8,7 @@
     <p:notesMasterId r:id="rId3"/>
   </p:notesMasterIdLst>
   <p:sldIdLst>
-    <p:sldId id="257" r:id="rId2"/>
+    <p:sldId id="256" r:id="rId2"/>
   </p:sldIdLst>
   <p:sldSz cx="12192000" cy="6858000"/>
   <p:notesSz cx="6883400" cy="10017125"/>
@@ -197,7 +197,7 @@
           <a:p>
             <a:fld id="{D8422EA4-67AE-4623-8DD6-326650601D3C}" type="datetimeFigureOut">
               <a:rPr kumimoji="1" lang="ja-JP" altLang="en-US" smtClean="0"/>
-              <a:t>2020/8/12</a:t>
+              <a:t>2020/11/23</a:t>
             </a:fld>
             <a:endParaRPr kumimoji="1" lang="ja-JP" altLang="en-US"/>
           </a:p>
@@ -496,177 +496,8 @@
 </p:notesMaster>
 </file>
 
-<file path=ppt/notesSlides/notesSlide1.xml><?xml version="1.0" encoding="utf-8"?>
-<p:notes xmlns:a="http://schemas.openxmlformats.org/drawingml/2006/main" xmlns:r="http://schemas.openxmlformats.org/officeDocument/2006/relationships" xmlns:p="http://schemas.openxmlformats.org/presentationml/2006/main">
-  <p:cSld>
-    <p:spTree>
-      <p:nvGrpSpPr>
-        <p:cNvPr id="1" name=""/>
-        <p:cNvGrpSpPr/>
-        <p:nvPr/>
-      </p:nvGrpSpPr>
-      <p:grpSpPr>
-        <a:xfrm>
-          <a:off x="0" y="0"/>
-          <a:ext cx="0" cy="0"/>
-          <a:chOff x="0" y="0"/>
-          <a:chExt cx="0" cy="0"/>
-        </a:xfrm>
-      </p:grpSpPr>
-      <p:sp>
-        <p:nvSpPr>
-          <p:cNvPr id="2" name="スライド イメージ プレースホルダー 1"/>
-          <p:cNvSpPr>
-            <a:spLocks noGrp="1" noRot="1" noChangeAspect="1"/>
-          </p:cNvSpPr>
-          <p:nvPr>
-            <p:ph type="sldImg"/>
-          </p:nvPr>
-        </p:nvSpPr>
-        <p:spPr/>
-      </p:sp>
-      <p:sp>
-        <p:nvSpPr>
-          <p:cNvPr id="3" name="ノート プレースホルダー 2"/>
-          <p:cNvSpPr>
-            <a:spLocks noGrp="1"/>
-          </p:cNvSpPr>
-          <p:nvPr>
-            <p:ph type="body" idx="1"/>
-          </p:nvPr>
-        </p:nvSpPr>
-        <p:spPr/>
-        <p:txBody>
-          <a:bodyPr/>
-          <a:lstStyle/>
-          <a:p>
-            <a:r>
-              <a:rPr kumimoji="1" lang="ja-JP" altLang="en-US" dirty="0"/>
-              <a:t>立命館大学情報理工学部の村尾和哉です．</a:t>
-            </a:r>
-            <a:endParaRPr kumimoji="1" lang="en-US" altLang="ja-JP" dirty="0"/>
-          </a:p>
-          <a:p>
-            <a:r>
-              <a:rPr kumimoji="1" lang="ja-JP" altLang="en-US" dirty="0"/>
-              <a:t>システムからの通知にユーザが対応できないことを利用したセンサデータのアノテーションという研究提案について説明します．</a:t>
-            </a:r>
-            <a:endParaRPr kumimoji="1" lang="en-US" altLang="ja-JP" dirty="0"/>
-          </a:p>
-          <a:p>
-            <a:r>
-              <a:rPr kumimoji="1" lang="ja-JP" altLang="en-US" dirty="0"/>
-              <a:t>（</a:t>
-            </a:r>
-            <a:r>
-              <a:rPr kumimoji="1" lang="en-US" altLang="ja-JP" dirty="0"/>
-              <a:t>15</a:t>
-            </a:r>
-            <a:r>
-              <a:rPr kumimoji="1" lang="ja-JP" altLang="en-US" dirty="0"/>
-              <a:t>秒）</a:t>
-            </a:r>
-          </a:p>
-        </p:txBody>
-      </p:sp>
-      <p:sp>
-        <p:nvSpPr>
-          <p:cNvPr id="4" name="スライド番号プレースホルダー 3"/>
-          <p:cNvSpPr>
-            <a:spLocks noGrp="1"/>
-          </p:cNvSpPr>
-          <p:nvPr>
-            <p:ph type="sldNum" sz="quarter" idx="10"/>
-          </p:nvPr>
-        </p:nvSpPr>
-        <p:spPr/>
-        <p:txBody>
-          <a:bodyPr/>
-          <a:lstStyle/>
-          <a:p>
-            <a:pPr marL="0" marR="0" lvl="0" indent="0" algn="r" defTabSz="914400" rtl="0" eaLnBrk="1" fontAlgn="auto" latinLnBrk="0" hangingPunct="1">
-              <a:lnSpc>
-                <a:spcPct val="100000"/>
-              </a:lnSpc>
-              <a:spcBef>
-                <a:spcPts val="0"/>
-              </a:spcBef>
-              <a:spcAft>
-                <a:spcPts val="0"/>
-              </a:spcAft>
-              <a:buClrTx/>
-              <a:buSzTx/>
-              <a:buFontTx/>
-              <a:buNone/>
-              <a:tabLst/>
-              <a:defRPr/>
-            </a:pPr>
-            <a:fld id="{30C4CB3F-F62E-402B-B423-2F2652179FCC}" type="slidenum">
-              <a:rPr kumimoji="1" lang="ja-JP" altLang="en-US" sz="1300" b="0" i="0" u="none" strike="noStrike" kern="1200" cap="none" spc="0" normalizeH="0" baseline="0" noProof="0" smtClean="0">
-                <a:ln>
-                  <a:noFill/>
-                </a:ln>
-                <a:solidFill>
-                  <a:prstClr val="black"/>
-                </a:solidFill>
-                <a:effectLst/>
-                <a:uLnTx/>
-                <a:uFillTx/>
-                <a:latin typeface="游ゴシック" panose="020F0502020204030204"/>
-                <a:ea typeface="游ゴシック" panose="020B0400000000000000" pitchFamily="50" charset="-128"/>
-                <a:cs typeface="+mn-cs"/>
-              </a:rPr>
-              <a:pPr marL="0" marR="0" lvl="0" indent="0" algn="r" defTabSz="914400" rtl="0" eaLnBrk="1" fontAlgn="auto" latinLnBrk="0" hangingPunct="1">
-                <a:lnSpc>
-                  <a:spcPct val="100000"/>
-                </a:lnSpc>
-                <a:spcBef>
-                  <a:spcPts val="0"/>
-                </a:spcBef>
-                <a:spcAft>
-                  <a:spcPts val="0"/>
-                </a:spcAft>
-                <a:buClrTx/>
-                <a:buSzTx/>
-                <a:buFontTx/>
-                <a:buNone/>
-                <a:tabLst/>
-                <a:defRPr/>
-              </a:pPr>
-              <a:t>1</a:t>
-            </a:fld>
-            <a:endParaRPr kumimoji="1" lang="ja-JP" altLang="en-US" sz="1300" b="0" i="0" u="none" strike="noStrike" kern="1200" cap="none" spc="0" normalizeH="0" baseline="0" noProof="0">
-              <a:ln>
-                <a:noFill/>
-              </a:ln>
-              <a:solidFill>
-                <a:prstClr val="black"/>
-              </a:solidFill>
-              <a:effectLst/>
-              <a:uLnTx/>
-              <a:uFillTx/>
-              <a:latin typeface="游ゴシック" panose="020F0502020204030204"/>
-              <a:ea typeface="游ゴシック" panose="020B0400000000000000" pitchFamily="50" charset="-128"/>
-              <a:cs typeface="+mn-cs"/>
-            </a:endParaRPr>
-          </a:p>
-        </p:txBody>
-      </p:sp>
-    </p:spTree>
-    <p:extLst>
-      <p:ext uri="{BB962C8B-B14F-4D97-AF65-F5344CB8AC3E}">
-        <p14:creationId xmlns:p14="http://schemas.microsoft.com/office/powerpoint/2010/main" val="209003389"/>
-      </p:ext>
-    </p:extLst>
-  </p:cSld>
-  <p:clrMapOvr>
-    <a:masterClrMapping/>
-  </p:clrMapOvr>
-</p:notes>
-</file>
-
 <file path=ppt/slideLayouts/slideLayout1.xml><?xml version="1.0" encoding="utf-8"?>
-<p:sldLayout xmlns:a="http://schemas.openxmlformats.org/drawingml/2006/main" xmlns:r="http://schemas.openxmlformats.org/officeDocument/2006/relationships" xmlns:p="http://schemas.openxmlformats.org/presentationml/2006/main" type="title" preserve="1">
+<p:sldLayout xmlns:a="http://schemas.openxmlformats.org/drawingml/2006/main" xmlns:r="http://schemas.openxmlformats.org/officeDocument/2006/relationships" xmlns:p="http://schemas.openxmlformats.org/presentationml/2006/main" preserve="1" userDrawn="1">
   <p:cSld name="タイトル スライド">
     <p:spTree>
       <p:nvGrpSpPr>
@@ -684,101 +515,6 @@
       </p:grpSpPr>
       <p:sp>
         <p:nvSpPr>
-          <p:cNvPr id="2" name="タイトル 1"/>
-          <p:cNvSpPr>
-            <a:spLocks noGrp="1"/>
-          </p:cNvSpPr>
-          <p:nvPr>
-            <p:ph type="ctrTitle"/>
-          </p:nvPr>
-        </p:nvSpPr>
-        <p:spPr>
-          <a:xfrm>
-            <a:off x="1524000" y="1122363"/>
-            <a:ext cx="9144000" cy="2387600"/>
-          </a:xfrm>
-        </p:spPr>
-        <p:txBody>
-          <a:bodyPr anchor="b"/>
-          <a:lstStyle>
-            <a:lvl1pPr algn="ctr">
-              <a:defRPr sz="6000"/>
-            </a:lvl1pPr>
-          </a:lstStyle>
-          <a:p>
-            <a:r>
-              <a:rPr kumimoji="1" lang="ja-JP" altLang="en-US"/>
-              <a:t>マスター タイトルの書式設定</a:t>
-            </a:r>
-          </a:p>
-        </p:txBody>
-      </p:sp>
-      <p:sp>
-        <p:nvSpPr>
-          <p:cNvPr id="3" name="サブタイトル 2"/>
-          <p:cNvSpPr>
-            <a:spLocks noGrp="1"/>
-          </p:cNvSpPr>
-          <p:nvPr>
-            <p:ph type="subTitle" idx="1"/>
-          </p:nvPr>
-        </p:nvSpPr>
-        <p:spPr>
-          <a:xfrm>
-            <a:off x="1524000" y="3602038"/>
-            <a:ext cx="9144000" cy="1655762"/>
-          </a:xfrm>
-        </p:spPr>
-        <p:txBody>
-          <a:bodyPr/>
-          <a:lstStyle>
-            <a:lvl1pPr marL="0" indent="0" algn="ctr">
-              <a:buNone/>
-              <a:defRPr sz="2400"/>
-            </a:lvl1pPr>
-            <a:lvl2pPr marL="457200" indent="0" algn="ctr">
-              <a:buNone/>
-              <a:defRPr sz="2000"/>
-            </a:lvl2pPr>
-            <a:lvl3pPr marL="914400" indent="0" algn="ctr">
-              <a:buNone/>
-              <a:defRPr sz="1800"/>
-            </a:lvl3pPr>
-            <a:lvl4pPr marL="1371600" indent="0" algn="ctr">
-              <a:buNone/>
-              <a:defRPr sz="1600"/>
-            </a:lvl4pPr>
-            <a:lvl5pPr marL="1828800" indent="0" algn="ctr">
-              <a:buNone/>
-              <a:defRPr sz="1600"/>
-            </a:lvl5pPr>
-            <a:lvl6pPr marL="2286000" indent="0" algn="ctr">
-              <a:buNone/>
-              <a:defRPr sz="1600"/>
-            </a:lvl6pPr>
-            <a:lvl7pPr marL="2743200" indent="0" algn="ctr">
-              <a:buNone/>
-              <a:defRPr sz="1600"/>
-            </a:lvl7pPr>
-            <a:lvl8pPr marL="3200400" indent="0" algn="ctr">
-              <a:buNone/>
-              <a:defRPr sz="1600"/>
-            </a:lvl8pPr>
-            <a:lvl9pPr marL="3657600" indent="0" algn="ctr">
-              <a:buNone/>
-              <a:defRPr sz="1600"/>
-            </a:lvl9pPr>
-          </a:lstStyle>
-          <a:p>
-            <a:r>
-              <a:rPr kumimoji="1" lang="ja-JP" altLang="en-US"/>
-              <a:t>マスター サブタイトルの書式設定</a:t>
-            </a:r>
-          </a:p>
-        </p:txBody>
-      </p:sp>
-      <p:sp>
-        <p:nvSpPr>
           <p:cNvPr id="4" name="日付プレースホルダー 3"/>
           <p:cNvSpPr>
             <a:spLocks noGrp="1"/>
@@ -794,7 +530,7 @@
           <a:p>
             <a:fld id="{28B1BEA1-2738-4C19-B133-02ABBF3E6E0C}" type="datetime1">
               <a:rPr kumimoji="1" lang="ja-JP" altLang="en-US" smtClean="0"/>
-              <a:t>2020/8/12</a:t>
+              <a:t>2020/11/23</a:t>
             </a:fld>
             <a:endParaRPr kumimoji="1" lang="ja-JP" altLang="en-US"/>
           </a:p>
@@ -883,13 +619,22 @@
         </p:spPr>
         <p:txBody>
           <a:bodyPr/>
-          <a:lstStyle/>
+          <a:lstStyle>
+            <a:lvl1pPr>
+              <a:defRPr b="1">
+                <a:solidFill>
+                  <a:schemeClr val="bg1"/>
+                </a:solidFill>
+              </a:defRPr>
+            </a:lvl1pPr>
+          </a:lstStyle>
           <a:p>
             <a:fld id="{92084505-5355-43A2-B929-FD06D0DABC31}" type="slidenum">
-              <a:rPr kumimoji="1" lang="ja-JP" altLang="en-US" smtClean="0"/>
+              <a:rPr lang="ja-JP" altLang="en-US" smtClean="0"/>
+              <a:pPr/>
               <a:t>‹#›</a:t>
             </a:fld>
-            <a:endParaRPr kumimoji="1" lang="ja-JP" altLang="en-US" dirty="0"/>
+            <a:endParaRPr lang="ja-JP" altLang="en-US" dirty="0"/>
           </a:p>
         </p:txBody>
       </p:sp>
@@ -986,6 +731,113 @@
           </p:spPr>
         </p:pic>
       </p:grpSp>
+      <p:sp>
+        <p:nvSpPr>
+          <p:cNvPr id="11" name="タイトル 1">
+            <a:extLst>
+              <a:ext uri="{FF2B5EF4-FFF2-40B4-BE49-F238E27FC236}">
+                <a16:creationId xmlns:a16="http://schemas.microsoft.com/office/drawing/2014/main" id="{88D4852D-8697-424C-BA59-23D89DEE3C9B}"/>
+              </a:ext>
+            </a:extLst>
+          </p:cNvPr>
+          <p:cNvSpPr>
+            <a:spLocks noGrp="1"/>
+          </p:cNvSpPr>
+          <p:nvPr>
+            <p:ph type="ctrTitle"/>
+          </p:nvPr>
+        </p:nvSpPr>
+        <p:spPr>
+          <a:xfrm>
+            <a:off x="1" y="1933893"/>
+            <a:ext cx="7406640" cy="2387600"/>
+          </a:xfrm>
+        </p:spPr>
+        <p:txBody>
+          <a:bodyPr anchor="ctr" anchorCtr="0">
+            <a:normAutofit/>
+          </a:bodyPr>
+          <a:lstStyle/>
+          <a:p>
+            <a:endParaRPr kumimoji="1" lang="ja-JP" altLang="en-US" sz="3600" dirty="0"/>
+          </a:p>
+        </p:txBody>
+      </p:sp>
+      <p:sp>
+        <p:nvSpPr>
+          <p:cNvPr id="12" name="サブタイトル 2">
+            <a:extLst>
+              <a:ext uri="{FF2B5EF4-FFF2-40B4-BE49-F238E27FC236}">
+                <a16:creationId xmlns:a16="http://schemas.microsoft.com/office/drawing/2014/main" id="{E2E346EB-7F23-46F4-A88D-73AA9C9F81A6}"/>
+              </a:ext>
+            </a:extLst>
+          </p:cNvPr>
+          <p:cNvSpPr>
+            <a:spLocks noGrp="1"/>
+          </p:cNvSpPr>
+          <p:nvPr>
+            <p:ph type="subTitle" idx="1"/>
+          </p:nvPr>
+        </p:nvSpPr>
+        <p:spPr>
+          <a:xfrm>
+            <a:off x="7406640" y="1933894"/>
+            <a:ext cx="4785360" cy="2387599"/>
+          </a:xfrm>
+        </p:spPr>
+        <p:txBody>
+          <a:bodyPr anchor="ctr" anchorCtr="0">
+            <a:normAutofit/>
+          </a:bodyPr>
+          <a:lstStyle>
+            <a:lvl1pPr marL="0" indent="0" algn="ctr">
+              <a:buNone/>
+              <a:defRPr sz="1800" b="1">
+                <a:latin typeface="+mn-lt"/>
+              </a:defRPr>
+            </a:lvl1pPr>
+          </a:lstStyle>
+          <a:p>
+            <a:endParaRPr kumimoji="1" lang="en-US" altLang="ja-JP" sz="2000" dirty="0"/>
+          </a:p>
+        </p:txBody>
+      </p:sp>
+      <p:cxnSp>
+        <p:nvCxnSpPr>
+          <p:cNvPr id="16" name="直線コネクタ 15">
+            <a:extLst>
+              <a:ext uri="{FF2B5EF4-FFF2-40B4-BE49-F238E27FC236}">
+                <a16:creationId xmlns:a16="http://schemas.microsoft.com/office/drawing/2014/main" id="{B578CCE4-671A-4E64-A208-7CC68677D0AB}"/>
+              </a:ext>
+            </a:extLst>
+          </p:cNvPr>
+          <p:cNvCxnSpPr/>
+          <p:nvPr userDrawn="1"/>
+        </p:nvCxnSpPr>
+        <p:spPr>
+          <a:xfrm>
+            <a:off x="7410617" y="1881346"/>
+            <a:ext cx="0" cy="2492693"/>
+          </a:xfrm>
+          <a:prstGeom prst="line">
+            <a:avLst/>
+          </a:prstGeom>
+        </p:spPr>
+        <p:style>
+          <a:lnRef idx="1">
+            <a:schemeClr val="dk1"/>
+          </a:lnRef>
+          <a:fillRef idx="0">
+            <a:schemeClr val="dk1"/>
+          </a:fillRef>
+          <a:effectRef idx="0">
+            <a:schemeClr val="dk1"/>
+          </a:effectRef>
+          <a:fontRef idx="minor">
+            <a:schemeClr val="tx1"/>
+          </a:fontRef>
+        </p:style>
+      </p:cxnSp>
     </p:spTree>
     <p:extLst>
       <p:ext uri="{BB962C8B-B14F-4D97-AF65-F5344CB8AC3E}">
@@ -1138,7 +990,7 @@
           <a:p>
             <a:fld id="{321A0775-4641-4FD1-8F30-8577C8E45459}" type="datetime1">
               <a:rPr kumimoji="1" lang="ja-JP" altLang="en-US" smtClean="0"/>
-              <a:t>2020/8/12</a:t>
+              <a:t>2020/11/23</a:t>
             </a:fld>
             <a:endParaRPr kumimoji="1" lang="ja-JP" altLang="en-US"/>
           </a:p>
@@ -1348,7 +1200,7 @@
           <a:p>
             <a:fld id="{1A958096-B04A-44A1-BF3F-4EF7C63AEE7F}" type="datetime1">
               <a:rPr kumimoji="1" lang="ja-JP" altLang="en-US" smtClean="0"/>
-              <a:t>2020/8/12</a:t>
+              <a:t>2020/11/23</a:t>
             </a:fld>
             <a:endParaRPr kumimoji="1" lang="ja-JP" altLang="en-US"/>
           </a:p>
@@ -1548,7 +1400,7 @@
           <a:p>
             <a:fld id="{7E4BC299-9A2B-46B3-A868-72E6088D753F}" type="datetime1">
               <a:rPr kumimoji="1" lang="ja-JP" altLang="en-US" smtClean="0"/>
-              <a:t>2020/8/12</a:t>
+              <a:t>2020/11/23</a:t>
             </a:fld>
             <a:endParaRPr kumimoji="1" lang="ja-JP" altLang="en-US"/>
           </a:p>
@@ -1946,7 +1798,7 @@
           <a:p>
             <a:fld id="{5730D93F-C6A8-45DB-973B-2E9B74BB5747}" type="datetime1">
               <a:rPr kumimoji="1" lang="ja-JP" altLang="en-US" smtClean="0"/>
-              <a:t>2020/8/12</a:t>
+              <a:t>2020/11/23</a:t>
             </a:fld>
             <a:endParaRPr kumimoji="1" lang="ja-JP" altLang="en-US"/>
           </a:p>
@@ -2239,7 +2091,7 @@
           <a:p>
             <a:fld id="{8C8FBA03-08C5-445A-9675-5DD0E048D580}" type="datetime1">
               <a:rPr kumimoji="1" lang="ja-JP" altLang="en-US" smtClean="0"/>
-              <a:t>2020/8/12</a:t>
+              <a:t>2020/11/23</a:t>
             </a:fld>
             <a:endParaRPr kumimoji="1" lang="ja-JP" altLang="en-US"/>
           </a:p>
@@ -2667,7 +2519,7 @@
           <a:p>
             <a:fld id="{F22B3BE6-F63B-45DF-9657-6FEF2EDB1F30}" type="datetime1">
               <a:rPr kumimoji="1" lang="ja-JP" altLang="en-US" smtClean="0"/>
-              <a:t>2020/8/12</a:t>
+              <a:t>2020/11/23</a:t>
             </a:fld>
             <a:endParaRPr kumimoji="1" lang="ja-JP" altLang="en-US"/>
           </a:p>
@@ -2784,7 +2636,7 @@
           <a:p>
             <a:fld id="{C1D6E599-F080-45CC-8481-C833508C9D12}" type="datetime1">
               <a:rPr kumimoji="1" lang="ja-JP" altLang="en-US" smtClean="0"/>
-              <a:t>2020/8/12</a:t>
+              <a:t>2020/11/23</a:t>
             </a:fld>
             <a:endParaRPr kumimoji="1" lang="ja-JP" altLang="en-US"/>
           </a:p>
@@ -2879,7 +2731,7 @@
           <a:p>
             <a:fld id="{7D9B8A7E-64BC-4577-982E-7EC7218FD10F}" type="datetime1">
               <a:rPr kumimoji="1" lang="ja-JP" altLang="en-US" smtClean="0"/>
-              <a:t>2020/8/12</a:t>
+              <a:t>2020/11/23</a:t>
             </a:fld>
             <a:endParaRPr kumimoji="1" lang="ja-JP" altLang="en-US"/>
           </a:p>
@@ -3186,7 +3038,7 @@
           <a:p>
             <a:fld id="{8373066C-4ED1-4359-AD45-A7DE722C8BF8}" type="datetime1">
               <a:rPr kumimoji="1" lang="ja-JP" altLang="en-US" smtClean="0"/>
-              <a:t>2020/8/12</a:t>
+              <a:t>2020/11/23</a:t>
             </a:fld>
             <a:endParaRPr kumimoji="1" lang="ja-JP" altLang="en-US"/>
           </a:p>
@@ -3438,7 +3290,7 @@
           <a:p>
             <a:fld id="{BC0FD902-686B-4A0D-9EB1-37C4F06B03EF}" type="datetime1">
               <a:rPr kumimoji="1" lang="ja-JP" altLang="en-US" smtClean="0"/>
-              <a:t>2020/8/12</a:t>
+              <a:t>2020/11/23</a:t>
             </a:fld>
             <a:endParaRPr kumimoji="1" lang="ja-JP" altLang="en-US"/>
           </a:p>
@@ -3681,7 +3533,7 @@
           <a:p>
             <a:fld id="{E90FD2C9-6400-40CA-9626-E4ED2CBDBD1C}" type="datetime1">
               <a:rPr kumimoji="1" lang="ja-JP" altLang="en-US" smtClean="0"/>
-              <a:t>2020/8/12</a:t>
+              <a:t>2020/11/23</a:t>
             </a:fld>
             <a:endParaRPr kumimoji="1" lang="ja-JP" altLang="en-US"/>
           </a:p>
@@ -4089,78 +3941,13 @@
       </p:grpSpPr>
       <p:sp>
         <p:nvSpPr>
-          <p:cNvPr id="2" name="タイトル 1"/>
-          <p:cNvSpPr>
-            <a:spLocks noGrp="1"/>
-          </p:cNvSpPr>
-          <p:nvPr>
-            <p:ph type="ctrTitle"/>
-          </p:nvPr>
-        </p:nvSpPr>
-        <p:spPr>
-          <a:xfrm>
-            <a:off x="1" y="1933893"/>
-            <a:ext cx="7406640" cy="2387600"/>
-          </a:xfrm>
-        </p:spPr>
-        <p:txBody>
-          <a:bodyPr anchor="ctr" anchorCtr="0">
-            <a:normAutofit/>
-          </a:bodyPr>
-          <a:lstStyle/>
-          <a:p>
-            <a:endParaRPr kumimoji="1" lang="ja-JP" altLang="en-US" sz="3600" dirty="0"/>
-          </a:p>
-        </p:txBody>
-      </p:sp>
-      <p:sp>
-        <p:nvSpPr>
-          <p:cNvPr id="3" name="サブタイトル 2"/>
-          <p:cNvSpPr>
-            <a:spLocks noGrp="1"/>
-          </p:cNvSpPr>
-          <p:nvPr>
-            <p:ph type="subTitle" idx="1"/>
-          </p:nvPr>
-        </p:nvSpPr>
-        <p:spPr>
-          <a:xfrm>
-            <a:off x="7406640" y="1933894"/>
-            <a:ext cx="4785360" cy="2387599"/>
-          </a:xfrm>
-        </p:spPr>
-        <p:txBody>
-          <a:bodyPr anchor="ctr" anchorCtr="0">
-            <a:normAutofit/>
-          </a:bodyPr>
-          <a:lstStyle/>
-          <a:p>
-            <a:r>
-              <a:rPr lang="ja-JP" altLang="en-US" sz="2000" b="1" dirty="0"/>
-              <a:t>＊藤井敦寛（立命館大学）</a:t>
-            </a:r>
-            <a:endParaRPr lang="en-US" altLang="ja-JP" sz="2000" b="1" dirty="0"/>
-          </a:p>
-          <a:p>
-            <a:r>
-              <a:rPr lang="ja-JP" altLang="en-US" sz="2000" dirty="0"/>
-              <a:t>村尾和哉（立命館大学，</a:t>
-            </a:r>
-            <a:r>
-              <a:rPr lang="en-US" altLang="ja-JP" sz="2000" dirty="0"/>
-              <a:t>JST</a:t>
-            </a:r>
-            <a:r>
-              <a:rPr lang="ja-JP" altLang="en-US" sz="2000" dirty="0"/>
-              <a:t>さきがけ）</a:t>
-            </a:r>
-            <a:endParaRPr kumimoji="1" lang="en-US" altLang="ja-JP" sz="2000" dirty="0"/>
-          </a:p>
-        </p:txBody>
-      </p:sp>
-      <p:sp>
-        <p:nvSpPr>
-          <p:cNvPr id="5" name="スライド番号プレースホルダー 4"/>
+          <p:cNvPr id="2" name="スライド番号プレースホルダー 1">
+            <a:extLst>
+              <a:ext uri="{FF2B5EF4-FFF2-40B4-BE49-F238E27FC236}">
+                <a16:creationId xmlns:a16="http://schemas.microsoft.com/office/drawing/2014/main" id="{A60F03A1-8F43-4BE5-8312-A3058F539EA3}"/>
+              </a:ext>
+            </a:extLst>
+          </p:cNvPr>
           <p:cNvSpPr>
             <a:spLocks noGrp="1"/>
           </p:cNvSpPr>
@@ -4173,108 +3960,88 @@
           <a:bodyPr/>
           <a:lstStyle/>
           <a:p>
-            <a:pPr marL="0" marR="0" lvl="0" indent="0" algn="r" defTabSz="914400" rtl="0" eaLnBrk="1" fontAlgn="auto" latinLnBrk="0" hangingPunct="1">
-              <a:lnSpc>
-                <a:spcPct val="100000"/>
-              </a:lnSpc>
-              <a:spcBef>
-                <a:spcPts val="0"/>
-              </a:spcBef>
-              <a:spcAft>
-                <a:spcPts val="0"/>
-              </a:spcAft>
-              <a:buClrTx/>
-              <a:buSzTx/>
-              <a:buFontTx/>
-              <a:buNone/>
-              <a:tabLst/>
-              <a:defRPr/>
-            </a:pPr>
             <a:fld id="{92084505-5355-43A2-B929-FD06D0DABC31}" type="slidenum">
-              <a:rPr kumimoji="1" lang="ja-JP" altLang="en-US" sz="1200" b="1" i="0" u="none" strike="noStrike" kern="1200" cap="none" spc="0" normalizeH="0" baseline="0" noProof="0" smtClean="0">
-                <a:ln>
-                  <a:noFill/>
-                </a:ln>
-                <a:solidFill>
-                  <a:prstClr val="white"/>
-                </a:solidFill>
-                <a:effectLst/>
-                <a:uLnTx/>
-                <a:uFillTx/>
-                <a:latin typeface="游ゴシック" panose="020F0502020204030204"/>
-                <a:ea typeface="游ゴシック" panose="020B0400000000000000" pitchFamily="50" charset="-128"/>
-                <a:cs typeface="+mn-cs"/>
-              </a:rPr>
-              <a:pPr marL="0" marR="0" lvl="0" indent="0" algn="r" defTabSz="914400" rtl="0" eaLnBrk="1" fontAlgn="auto" latinLnBrk="0" hangingPunct="1">
-                <a:lnSpc>
-                  <a:spcPct val="100000"/>
-                </a:lnSpc>
-                <a:spcBef>
-                  <a:spcPts val="0"/>
-                </a:spcBef>
-                <a:spcAft>
-                  <a:spcPts val="0"/>
-                </a:spcAft>
-                <a:buClrTx/>
-                <a:buSzTx/>
-                <a:buFontTx/>
-                <a:buNone/>
-                <a:tabLst/>
-                <a:defRPr/>
-              </a:pPr>
+              <a:rPr lang="ja-JP" altLang="en-US" smtClean="0"/>
+              <a:pPr/>
               <a:t>1</a:t>
             </a:fld>
-            <a:endParaRPr kumimoji="1" lang="ja-JP" altLang="en-US" sz="1200" b="1" i="0" u="none" strike="noStrike" kern="1200" cap="none" spc="0" normalizeH="0" baseline="0" noProof="0">
-              <a:ln>
-                <a:noFill/>
-              </a:ln>
-              <a:solidFill>
-                <a:prstClr val="white"/>
-              </a:solidFill>
-              <a:effectLst/>
-              <a:uLnTx/>
-              <a:uFillTx/>
-              <a:latin typeface="游ゴシック" panose="020F0502020204030204"/>
-              <a:ea typeface="游ゴシック" panose="020B0400000000000000" pitchFamily="50" charset="-128"/>
-              <a:cs typeface="+mn-cs"/>
-            </a:endParaRPr>
-          </a:p>
-        </p:txBody>
-      </p:sp>
-      <p:cxnSp>
-        <p:nvCxnSpPr>
-          <p:cNvPr id="9" name="直線コネクタ 8"/>
-          <p:cNvCxnSpPr/>
-          <p:nvPr/>
-        </p:nvCxnSpPr>
-        <p:spPr>
-          <a:xfrm>
-            <a:off x="7406640" y="1828800"/>
-            <a:ext cx="0" cy="2492693"/>
-          </a:xfrm>
-          <a:prstGeom prst="line">
-            <a:avLst/>
-          </a:prstGeom>
-        </p:spPr>
-        <p:style>
-          <a:lnRef idx="1">
-            <a:schemeClr val="dk1"/>
-          </a:lnRef>
-          <a:fillRef idx="0">
-            <a:schemeClr val="dk1"/>
-          </a:fillRef>
-          <a:effectRef idx="0">
-            <a:schemeClr val="dk1"/>
-          </a:effectRef>
-          <a:fontRef idx="minor">
-            <a:schemeClr val="tx1"/>
-          </a:fontRef>
-        </p:style>
-      </p:cxnSp>
+            <a:endParaRPr lang="ja-JP" altLang="en-US" dirty="0"/>
+          </a:p>
+        </p:txBody>
+      </p:sp>
+      <p:sp>
+        <p:nvSpPr>
+          <p:cNvPr id="3" name="タイトル 2">
+            <a:extLst>
+              <a:ext uri="{FF2B5EF4-FFF2-40B4-BE49-F238E27FC236}">
+                <a16:creationId xmlns:a16="http://schemas.microsoft.com/office/drawing/2014/main" id="{DAA05F31-6A6F-4D56-8A97-EBF048C4A56A}"/>
+              </a:ext>
+            </a:extLst>
+          </p:cNvPr>
+          <p:cNvSpPr>
+            <a:spLocks noGrp="1"/>
+          </p:cNvSpPr>
+          <p:nvPr>
+            <p:ph type="ctrTitle"/>
+          </p:nvPr>
+        </p:nvSpPr>
+        <p:spPr/>
+        <p:txBody>
+          <a:bodyPr/>
+          <a:lstStyle/>
+          <a:p>
+            <a:endParaRPr kumimoji="1" lang="ja-JP" altLang="en-US"/>
+          </a:p>
+        </p:txBody>
+      </p:sp>
+      <p:sp>
+        <p:nvSpPr>
+          <p:cNvPr id="4" name="字幕 3">
+            <a:extLst>
+              <a:ext uri="{FF2B5EF4-FFF2-40B4-BE49-F238E27FC236}">
+                <a16:creationId xmlns:a16="http://schemas.microsoft.com/office/drawing/2014/main" id="{C3E4E4C6-229C-46AB-8DBB-A3A7FDC22BDE}"/>
+              </a:ext>
+            </a:extLst>
+          </p:cNvPr>
+          <p:cNvSpPr>
+            <a:spLocks noGrp="1"/>
+          </p:cNvSpPr>
+          <p:nvPr>
+            <p:ph type="subTitle" idx="1"/>
+          </p:nvPr>
+        </p:nvSpPr>
+        <p:spPr/>
+        <p:txBody>
+          <a:bodyPr/>
+          <a:lstStyle/>
+          <a:p>
+            <a:r>
+              <a:rPr lang="ja-JP" altLang="en-US" dirty="0"/>
+              <a:t>＊藤井敦寛（立命館大学）</a:t>
+            </a:r>
+            <a:endParaRPr lang="en-US" altLang="ja-JP" dirty="0"/>
+          </a:p>
+          <a:p>
+            <a:r>
+              <a:rPr lang="ja-JP" altLang="en-US" b="0" dirty="0"/>
+              <a:t>村尾和哉（立命館大学，</a:t>
+            </a:r>
+            <a:r>
+              <a:rPr lang="en-US" altLang="ja-JP" b="0" dirty="0"/>
+              <a:t>JST</a:t>
+            </a:r>
+            <a:r>
+              <a:rPr lang="ja-JP" altLang="en-US" b="0" dirty="0"/>
+              <a:t>さきがけ）</a:t>
+            </a:r>
+            <a:endParaRPr lang="en-US" altLang="ja-JP" b="0" dirty="0"/>
+          </a:p>
+        </p:txBody>
+      </p:sp>
     </p:spTree>
     <p:extLst>
       <p:ext uri="{BB962C8B-B14F-4D97-AF65-F5344CB8AC3E}">
-        <p14:creationId xmlns:p14="http://schemas.microsoft.com/office/powerpoint/2010/main" val="1354763701"/>
+        <p14:creationId xmlns:p14="http://schemas.microsoft.com/office/powerpoint/2010/main" val="872652314"/>
       </p:ext>
     </p:extLst>
   </p:cSld>
